--- a/01/Политика информационной безопасности логистической компании.pptx
+++ b/01/Политика информационной безопасности логистической компании.pptx
@@ -7705,7 +7705,11 @@
           <a:bodyPr/>
           <a:lstStyle/>
           <a:p>
-            <a:endParaRPr lang="ru-RU"/>
+            <a:r>
+              <a:rPr lang="en-US" dirty="0" smtClean="0"/>
+              <a:t>Logist.by</a:t>
+            </a:r>
+            <a:endParaRPr lang="ru-RU" dirty="0"/>
           </a:p>
         </p:txBody>
       </p:sp>
